--- a/Lectures/Lecture21.pptx
+++ b/Lectures/Lecture21.pptx
@@ -7493,7 +7493,7 @@
           <a:graphicData uri="http://schemas.openxmlformats.org/presentationml/2006/ole">
             <mc:AlternateContent xmlns:mc="http://schemas.openxmlformats.org/markup-compatibility/2006">
               <mc:Choice xmlns:v="urn:schemas-microsoft-com:vml" Requires="v">
-                <p:oleObj spid="_x0000_s5134" name="Equation" r:id="rId3" imgW="647700" imgH="241300" progId="Equation.3">
+                <p:oleObj spid="_x0000_s5136" name="Equation" r:id="rId3" imgW="647700" imgH="241300" progId="Equation.3">
                   <p:embed/>
                 </p:oleObj>
               </mc:Choice>
@@ -7797,7 +7797,7 @@
           <a:graphicData uri="http://schemas.openxmlformats.org/presentationml/2006/ole">
             <mc:AlternateContent xmlns:mc="http://schemas.openxmlformats.org/markup-compatibility/2006">
               <mc:Choice xmlns:v="urn:schemas-microsoft-com:vml" Requires="v">
-                <p:oleObj spid="_x0000_s6158" name="Equation" r:id="rId4" imgW="914400" imgH="241300" progId="Equation.3">
+                <p:oleObj spid="_x0000_s6160" name="Equation" r:id="rId4" imgW="914400" imgH="241300" progId="Equation.3">
                   <p:embed/>
                 </p:oleObj>
               </mc:Choice>
@@ -8604,7 +8604,7 @@
           <a:p>
             <a:r>
               <a:rPr lang="en-US" dirty="0"/>
-              <a:t>Ina single BVH for scene</a:t>
+              <a:t>In a single BVH for scene</a:t>
             </a:r>
           </a:p>
           <a:p>
@@ -8934,7 +8934,7 @@
         <p:spPr>
           <a:xfrm>
             <a:off x="6500587" y="2426406"/>
-            <a:ext cx="4586513" cy="2862322"/>
+            <a:ext cx="4853213" cy="2308324"/>
           </a:xfrm>
           <a:prstGeom prst="rect">
             <a:avLst/>
@@ -8949,15 +8949,12 @@
           <a:p>
             <a:r>
               <a:rPr lang="en-US" dirty="0"/>
-              <a:t>Dynamic collision tests an exhibit </a:t>
+              <a:t>Dynamic collision tests can exhibit </a:t>
             </a:r>
             <a:r>
               <a:rPr lang="en-US" i="1" dirty="0"/>
               <a:t>tunneling </a:t>
             </a:r>
-          </a:p>
-          <a:p>
-            <a:endParaRPr lang="en-US" i="1" dirty="0"/>
           </a:p>
           <a:p>
             <a:r>
@@ -9085,45 +9082,6 @@
           </a:prstGeom>
         </p:spPr>
       </p:pic>
-      <p:sp>
-        <p:nvSpPr>
-          <p:cNvPr id="8" name="TextBox 7"/>
-          <p:cNvSpPr txBox="1"/>
-          <p:nvPr/>
-        </p:nvSpPr>
-        <p:spPr>
-          <a:xfrm>
-            <a:off x="2197878" y="4717143"/>
-            <a:ext cx="2921000" cy="1200329"/>
-          </a:xfrm>
-          <a:prstGeom prst="rect">
-            <a:avLst/>
-          </a:prstGeom>
-          <a:noFill/>
-        </p:spPr>
-        <p:txBody>
-          <a:bodyPr wrap="square" rtlCol="0">
-            <a:spAutoFit/>
-          </a:bodyPr>
-          <a:lstStyle/>
-          <a:p>
-            <a:r>
-              <a:rPr lang="en-US" dirty="0"/>
-              <a:t>Can make it even simpler for the box walls in  MP.</a:t>
-            </a:r>
-            <a:br>
-              <a:rPr lang="en-US" dirty="0"/>
-            </a:br>
-            <a:br>
-              <a:rPr lang="en-US" dirty="0"/>
-            </a:br>
-            <a:r>
-              <a:rPr lang="en-US" dirty="0"/>
-              <a:t>How?</a:t>
-            </a:r>
-          </a:p>
-        </p:txBody>
-      </p:sp>
     </p:spTree>
     <p:extLst>
       <p:ext uri="{BB962C8B-B14F-4D97-AF65-F5344CB8AC3E}">
@@ -9617,7 +9575,7 @@
           <a:graphicData uri="http://schemas.openxmlformats.org/presentationml/2006/ole">
             <mc:AlternateContent xmlns:mc="http://schemas.openxmlformats.org/markup-compatibility/2006">
               <mc:Choice xmlns:v="urn:schemas-microsoft-com:vml" Requires="v">
-                <p:oleObj spid="_x0000_s7182" name="Equation" r:id="rId3" imgW="1892300" imgH="685800" progId="Equation.3">
+                <p:oleObj spid="_x0000_s7184" name="Equation" r:id="rId3" imgW="1892300" imgH="685800" progId="Equation.3">
                   <p:embed/>
                 </p:oleObj>
               </mc:Choice>
@@ -13392,7 +13350,7 @@
           <a:graphicData uri="http://schemas.openxmlformats.org/presentationml/2006/ole">
             <mc:AlternateContent xmlns:mc="http://schemas.openxmlformats.org/markup-compatibility/2006">
               <mc:Choice xmlns:v="urn:schemas-microsoft-com:vml" Requires="v">
-                <p:oleObj spid="_x0000_s1038" name="Equation" r:id="rId3" imgW="495300" imgH="393700" progId="Equation.3">
+                <p:oleObj spid="_x0000_s1040" name="Equation" r:id="rId3" imgW="495300" imgH="393700" progId="Equation.3">
                   <p:embed/>
                 </p:oleObj>
               </mc:Choice>
@@ -13669,8 +13627,13 @@
             </a:r>
             <a:r>
               <a:rPr lang="en-US" dirty="0"/>
-              <a:t> is the mass of object I</a:t>
-            </a:r>
+              <a:t> is the mass of object </a:t>
+            </a:r>
+            <a:r>
+              <a:rPr lang="en-US" dirty="0" err="1"/>
+              <a:t>i</a:t>
+            </a:r>
+            <a:endParaRPr lang="en-US" dirty="0"/>
           </a:p>
           <a:p>
             <a:r>
@@ -13739,7 +13702,7 @@
           <a:graphicData uri="http://schemas.openxmlformats.org/presentationml/2006/ole">
             <mc:AlternateContent xmlns:mc="http://schemas.openxmlformats.org/markup-compatibility/2006">
               <mc:Choice xmlns:v="urn:schemas-microsoft-com:vml" Requires="v">
-                <p:oleObj spid="_x0000_s2062" name="Equation" r:id="rId3" imgW="749300" imgH="393700" progId="Equation.3">
+                <p:oleObj spid="_x0000_s2064" name="Equation" r:id="rId3" imgW="749300" imgH="393700" progId="Equation.3">
                   <p:embed/>
                 </p:oleObj>
               </mc:Choice>
@@ -14009,7 +13972,7 @@
           <a:graphicData uri="http://schemas.openxmlformats.org/presentationml/2006/ole">
             <mc:AlternateContent xmlns:mc="http://schemas.openxmlformats.org/markup-compatibility/2006">
               <mc:Choice xmlns:v="urn:schemas-microsoft-com:vml" Requires="v">
-                <p:oleObj spid="_x0000_s3085" name="Equation" r:id="rId3" imgW="952500" imgH="393700" progId="Equation.3">
+                <p:oleObj spid="_x0000_s3087" name="Equation" r:id="rId3" imgW="952500" imgH="393700" progId="Equation.3">
                   <p:embed/>
                 </p:oleObj>
               </mc:Choice>
